--- a/ppt 16-9/0403.永恒的答问.pptx
+++ b/ppt 16-9/0403.永恒的答问.pptx
@@ -129,7 +129,7 @@
           <p:cNvPr id="2" name="标题 1">
             <a:extLst>
               <a:ext uri="{FF2B5EF4-FFF2-40B4-BE49-F238E27FC236}">
-                <a16:creationId xmlns:a16="http://schemas.microsoft.com/office/drawing/2014/main" id="{5E4C90BF-83FC-05E8-30EC-63CA302397E7}"/>
+                <a16:creationId xmlns:a16="http://schemas.microsoft.com/office/drawing/2014/main" id="{CC5B1E1E-1648-AE6E-074B-D2C6A30C6459}"/>
               </a:ext>
             </a:extLst>
           </p:cNvPr>
@@ -166,7 +166,7 @@
           <p:cNvPr id="3" name="副标题 2">
             <a:extLst>
               <a:ext uri="{FF2B5EF4-FFF2-40B4-BE49-F238E27FC236}">
-                <a16:creationId xmlns:a16="http://schemas.microsoft.com/office/drawing/2014/main" id="{4F53DDF7-A55C-7609-C99E-632115F9A6EA}"/>
+                <a16:creationId xmlns:a16="http://schemas.microsoft.com/office/drawing/2014/main" id="{C7A0C59A-9E9C-177C-1305-ADAF9003947E}"/>
               </a:ext>
             </a:extLst>
           </p:cNvPr>
@@ -236,7 +236,7 @@
           <p:cNvPr id="4" name="日期占位符 3">
             <a:extLst>
               <a:ext uri="{FF2B5EF4-FFF2-40B4-BE49-F238E27FC236}">
-                <a16:creationId xmlns:a16="http://schemas.microsoft.com/office/drawing/2014/main" id="{40C400D0-BC31-88C5-AAC3-481A5FB21EBB}"/>
+                <a16:creationId xmlns:a16="http://schemas.microsoft.com/office/drawing/2014/main" id="{9AFD3276-AAAC-5ED5-641A-A6028FA9DC22}"/>
               </a:ext>
             </a:extLst>
           </p:cNvPr>
@@ -252,7 +252,7 @@
           <a:bodyPr/>
           <a:lstStyle/>
           <a:p>
-            <a:fld id="{904CC923-4307-4C60-A5B3-EF4165CDC9F6}" type="datetimeFigureOut">
+            <a:fld id="{0DBA09B9-35ED-4E06-A3D1-B9D1A12463C6}" type="datetimeFigureOut">
               <a:rPr lang="zh-CN" altLang="en-US" smtClean="0"/>
               <a:t>2024/3/10</a:t>
             </a:fld>
@@ -265,7 +265,7 @@
           <p:cNvPr id="5" name="页脚占位符 4">
             <a:extLst>
               <a:ext uri="{FF2B5EF4-FFF2-40B4-BE49-F238E27FC236}">
-                <a16:creationId xmlns:a16="http://schemas.microsoft.com/office/drawing/2014/main" id="{0950B08A-F9FB-35CB-A598-A673F2B65D0C}"/>
+                <a16:creationId xmlns:a16="http://schemas.microsoft.com/office/drawing/2014/main" id="{0D33BF6F-B717-D6B0-80A9-9604C986099D}"/>
               </a:ext>
             </a:extLst>
           </p:cNvPr>
@@ -290,7 +290,7 @@
           <p:cNvPr id="6" name="灯片编号占位符 5">
             <a:extLst>
               <a:ext uri="{FF2B5EF4-FFF2-40B4-BE49-F238E27FC236}">
-                <a16:creationId xmlns:a16="http://schemas.microsoft.com/office/drawing/2014/main" id="{2CD38798-FD7B-9913-36CE-B4BE90767B32}"/>
+                <a16:creationId xmlns:a16="http://schemas.microsoft.com/office/drawing/2014/main" id="{8551E07B-6825-22A1-A772-C8C72704BA8C}"/>
               </a:ext>
             </a:extLst>
           </p:cNvPr>
@@ -306,7 +306,7 @@
           <a:bodyPr/>
           <a:lstStyle/>
           <a:p>
-            <a:fld id="{9F6D9E76-F1B6-4067-BC66-24B95CCC3BFD}" type="slidenum">
+            <a:fld id="{31466418-C296-431E-8804-A81B3E8A8F8E}" type="slidenum">
               <a:rPr lang="zh-CN" altLang="en-US" smtClean="0"/>
               <a:t>‹#›</a:t>
             </a:fld>
@@ -317,7 +317,7 @@
     </p:spTree>
     <p:extLst>
       <p:ext uri="{BB962C8B-B14F-4D97-AF65-F5344CB8AC3E}">
-        <p14:creationId xmlns:p14="http://schemas.microsoft.com/office/powerpoint/2010/main" val="1199032495"/>
+        <p14:creationId xmlns:p14="http://schemas.microsoft.com/office/powerpoint/2010/main" val="2685946810"/>
       </p:ext>
     </p:extLst>
   </p:cSld>
@@ -349,7 +349,7 @@
           <p:cNvPr id="2" name="标题 1">
             <a:extLst>
               <a:ext uri="{FF2B5EF4-FFF2-40B4-BE49-F238E27FC236}">
-                <a16:creationId xmlns:a16="http://schemas.microsoft.com/office/drawing/2014/main" id="{B4B87A0F-F6E5-860F-A0CC-43D4A17384B1}"/>
+                <a16:creationId xmlns:a16="http://schemas.microsoft.com/office/drawing/2014/main" id="{EDB0AE75-B708-E735-6963-B86BE40A5F1A}"/>
               </a:ext>
             </a:extLst>
           </p:cNvPr>
@@ -377,7 +377,7 @@
           <p:cNvPr id="3" name="竖排文字占位符 2">
             <a:extLst>
               <a:ext uri="{FF2B5EF4-FFF2-40B4-BE49-F238E27FC236}">
-                <a16:creationId xmlns:a16="http://schemas.microsoft.com/office/drawing/2014/main" id="{D029F25F-9EF2-46D6-FDF3-0E3405F98DEB}"/>
+                <a16:creationId xmlns:a16="http://schemas.microsoft.com/office/drawing/2014/main" id="{B05D77A9-1F42-DBDA-85DF-799A478A9A66}"/>
               </a:ext>
             </a:extLst>
           </p:cNvPr>
@@ -434,7 +434,7 @@
           <p:cNvPr id="4" name="日期占位符 3">
             <a:extLst>
               <a:ext uri="{FF2B5EF4-FFF2-40B4-BE49-F238E27FC236}">
-                <a16:creationId xmlns:a16="http://schemas.microsoft.com/office/drawing/2014/main" id="{76B808EF-5F1D-C95B-2FF5-C707486A0BFA}"/>
+                <a16:creationId xmlns:a16="http://schemas.microsoft.com/office/drawing/2014/main" id="{1D732233-2E25-9401-6FC2-D7E58D0102A8}"/>
               </a:ext>
             </a:extLst>
           </p:cNvPr>
@@ -450,7 +450,7 @@
           <a:bodyPr/>
           <a:lstStyle/>
           <a:p>
-            <a:fld id="{904CC923-4307-4C60-A5B3-EF4165CDC9F6}" type="datetimeFigureOut">
+            <a:fld id="{0DBA09B9-35ED-4E06-A3D1-B9D1A12463C6}" type="datetimeFigureOut">
               <a:rPr lang="zh-CN" altLang="en-US" smtClean="0"/>
               <a:t>2024/3/10</a:t>
             </a:fld>
@@ -463,7 +463,7 @@
           <p:cNvPr id="5" name="页脚占位符 4">
             <a:extLst>
               <a:ext uri="{FF2B5EF4-FFF2-40B4-BE49-F238E27FC236}">
-                <a16:creationId xmlns:a16="http://schemas.microsoft.com/office/drawing/2014/main" id="{8D7CC693-1723-2A68-9867-D9768A00AF07}"/>
+                <a16:creationId xmlns:a16="http://schemas.microsoft.com/office/drawing/2014/main" id="{4D814C76-E449-0B7B-6409-5D241A5D4F94}"/>
               </a:ext>
             </a:extLst>
           </p:cNvPr>
@@ -488,7 +488,7 @@
           <p:cNvPr id="6" name="灯片编号占位符 5">
             <a:extLst>
               <a:ext uri="{FF2B5EF4-FFF2-40B4-BE49-F238E27FC236}">
-                <a16:creationId xmlns:a16="http://schemas.microsoft.com/office/drawing/2014/main" id="{EFC19993-7F32-8680-B49D-382327D4A7CA}"/>
+                <a16:creationId xmlns:a16="http://schemas.microsoft.com/office/drawing/2014/main" id="{43EF9F2F-F2AC-AF63-CACA-8D13AF345973}"/>
               </a:ext>
             </a:extLst>
           </p:cNvPr>
@@ -504,7 +504,7 @@
           <a:bodyPr/>
           <a:lstStyle/>
           <a:p>
-            <a:fld id="{9F6D9E76-F1B6-4067-BC66-24B95CCC3BFD}" type="slidenum">
+            <a:fld id="{31466418-C296-431E-8804-A81B3E8A8F8E}" type="slidenum">
               <a:rPr lang="zh-CN" altLang="en-US" smtClean="0"/>
               <a:t>‹#›</a:t>
             </a:fld>
@@ -515,7 +515,7 @@
     </p:spTree>
     <p:extLst>
       <p:ext uri="{BB962C8B-B14F-4D97-AF65-F5344CB8AC3E}">
-        <p14:creationId xmlns:p14="http://schemas.microsoft.com/office/powerpoint/2010/main" val="2980981099"/>
+        <p14:creationId xmlns:p14="http://schemas.microsoft.com/office/powerpoint/2010/main" val="3172461112"/>
       </p:ext>
     </p:extLst>
   </p:cSld>
@@ -547,7 +547,7 @@
           <p:cNvPr id="2" name="竖排标题 1">
             <a:extLst>
               <a:ext uri="{FF2B5EF4-FFF2-40B4-BE49-F238E27FC236}">
-                <a16:creationId xmlns:a16="http://schemas.microsoft.com/office/drawing/2014/main" id="{0F799000-C134-3284-F082-C86FC06D59D7}"/>
+                <a16:creationId xmlns:a16="http://schemas.microsoft.com/office/drawing/2014/main" id="{A6C03C1D-AD38-487A-C142-2858A366D4F9}"/>
               </a:ext>
             </a:extLst>
           </p:cNvPr>
@@ -580,7 +580,7 @@
           <p:cNvPr id="3" name="竖排文字占位符 2">
             <a:extLst>
               <a:ext uri="{FF2B5EF4-FFF2-40B4-BE49-F238E27FC236}">
-                <a16:creationId xmlns:a16="http://schemas.microsoft.com/office/drawing/2014/main" id="{750A1DA8-62A5-0C22-F207-5D906621FF98}"/>
+                <a16:creationId xmlns:a16="http://schemas.microsoft.com/office/drawing/2014/main" id="{BE7B4072-33DE-8DD7-0E66-02B95B106C49}"/>
               </a:ext>
             </a:extLst>
           </p:cNvPr>
@@ -642,7 +642,7 @@
           <p:cNvPr id="4" name="日期占位符 3">
             <a:extLst>
               <a:ext uri="{FF2B5EF4-FFF2-40B4-BE49-F238E27FC236}">
-                <a16:creationId xmlns:a16="http://schemas.microsoft.com/office/drawing/2014/main" id="{FD4FCD8C-2FE8-2993-7D21-55D6DDC4543E}"/>
+                <a16:creationId xmlns:a16="http://schemas.microsoft.com/office/drawing/2014/main" id="{0EAEC928-E63B-EACA-A4D1-225A6BE54F9D}"/>
               </a:ext>
             </a:extLst>
           </p:cNvPr>
@@ -658,7 +658,7 @@
           <a:bodyPr/>
           <a:lstStyle/>
           <a:p>
-            <a:fld id="{904CC923-4307-4C60-A5B3-EF4165CDC9F6}" type="datetimeFigureOut">
+            <a:fld id="{0DBA09B9-35ED-4E06-A3D1-B9D1A12463C6}" type="datetimeFigureOut">
               <a:rPr lang="zh-CN" altLang="en-US" smtClean="0"/>
               <a:t>2024/3/10</a:t>
             </a:fld>
@@ -671,7 +671,7 @@
           <p:cNvPr id="5" name="页脚占位符 4">
             <a:extLst>
               <a:ext uri="{FF2B5EF4-FFF2-40B4-BE49-F238E27FC236}">
-                <a16:creationId xmlns:a16="http://schemas.microsoft.com/office/drawing/2014/main" id="{02362CB4-D29A-EAA6-BF94-C2D72663BAEF}"/>
+                <a16:creationId xmlns:a16="http://schemas.microsoft.com/office/drawing/2014/main" id="{8AD1B4F9-4FFD-B796-A953-DC7417BBFC41}"/>
               </a:ext>
             </a:extLst>
           </p:cNvPr>
@@ -696,7 +696,7 @@
           <p:cNvPr id="6" name="灯片编号占位符 5">
             <a:extLst>
               <a:ext uri="{FF2B5EF4-FFF2-40B4-BE49-F238E27FC236}">
-                <a16:creationId xmlns:a16="http://schemas.microsoft.com/office/drawing/2014/main" id="{7025AD3C-32BE-6AC0-748F-F7CBC2250CEE}"/>
+                <a16:creationId xmlns:a16="http://schemas.microsoft.com/office/drawing/2014/main" id="{2B63E9D9-674C-254C-9DA4-FAC14D56D89D}"/>
               </a:ext>
             </a:extLst>
           </p:cNvPr>
@@ -712,7 +712,7 @@
           <a:bodyPr/>
           <a:lstStyle/>
           <a:p>
-            <a:fld id="{9F6D9E76-F1B6-4067-BC66-24B95CCC3BFD}" type="slidenum">
+            <a:fld id="{31466418-C296-431E-8804-A81B3E8A8F8E}" type="slidenum">
               <a:rPr lang="zh-CN" altLang="en-US" smtClean="0"/>
               <a:t>‹#›</a:t>
             </a:fld>
@@ -723,7 +723,7 @@
     </p:spTree>
     <p:extLst>
       <p:ext uri="{BB962C8B-B14F-4D97-AF65-F5344CB8AC3E}">
-        <p14:creationId xmlns:p14="http://schemas.microsoft.com/office/powerpoint/2010/main" val="4251888207"/>
+        <p14:creationId xmlns:p14="http://schemas.microsoft.com/office/powerpoint/2010/main" val="1413754937"/>
       </p:ext>
     </p:extLst>
   </p:cSld>
@@ -755,7 +755,7 @@
           <p:cNvPr id="2" name="标题 1">
             <a:extLst>
               <a:ext uri="{FF2B5EF4-FFF2-40B4-BE49-F238E27FC236}">
-                <a16:creationId xmlns:a16="http://schemas.microsoft.com/office/drawing/2014/main" id="{4B92EF95-3CE8-B594-1736-BDF07CB37782}"/>
+                <a16:creationId xmlns:a16="http://schemas.microsoft.com/office/drawing/2014/main" id="{AEF98AF5-FEB8-D535-CB63-8F1AB6B6A7B8}"/>
               </a:ext>
             </a:extLst>
           </p:cNvPr>
@@ -783,7 +783,7 @@
           <p:cNvPr id="3" name="内容占位符 2">
             <a:extLst>
               <a:ext uri="{FF2B5EF4-FFF2-40B4-BE49-F238E27FC236}">
-                <a16:creationId xmlns:a16="http://schemas.microsoft.com/office/drawing/2014/main" id="{4C1AD19F-108A-847F-066C-31C2CB484872}"/>
+                <a16:creationId xmlns:a16="http://schemas.microsoft.com/office/drawing/2014/main" id="{7D61BC13-EA35-0B8A-EEE6-DF5C1E44AE6B}"/>
               </a:ext>
             </a:extLst>
           </p:cNvPr>
@@ -840,7 +840,7 @@
           <p:cNvPr id="4" name="日期占位符 3">
             <a:extLst>
               <a:ext uri="{FF2B5EF4-FFF2-40B4-BE49-F238E27FC236}">
-                <a16:creationId xmlns:a16="http://schemas.microsoft.com/office/drawing/2014/main" id="{0CDE196F-DE30-A7D7-D04B-6C3B5F01CCAD}"/>
+                <a16:creationId xmlns:a16="http://schemas.microsoft.com/office/drawing/2014/main" id="{DCBD9BBA-2F43-29F6-A2A4-2865A136BBB2}"/>
               </a:ext>
             </a:extLst>
           </p:cNvPr>
@@ -856,7 +856,7 @@
           <a:bodyPr/>
           <a:lstStyle/>
           <a:p>
-            <a:fld id="{904CC923-4307-4C60-A5B3-EF4165CDC9F6}" type="datetimeFigureOut">
+            <a:fld id="{0DBA09B9-35ED-4E06-A3D1-B9D1A12463C6}" type="datetimeFigureOut">
               <a:rPr lang="zh-CN" altLang="en-US" smtClean="0"/>
               <a:t>2024/3/10</a:t>
             </a:fld>
@@ -869,7 +869,7 @@
           <p:cNvPr id="5" name="页脚占位符 4">
             <a:extLst>
               <a:ext uri="{FF2B5EF4-FFF2-40B4-BE49-F238E27FC236}">
-                <a16:creationId xmlns:a16="http://schemas.microsoft.com/office/drawing/2014/main" id="{0397108B-231D-911C-63ED-A70135627F31}"/>
+                <a16:creationId xmlns:a16="http://schemas.microsoft.com/office/drawing/2014/main" id="{4FEC89B6-BAF3-B3B1-3526-32E66A9AA67C}"/>
               </a:ext>
             </a:extLst>
           </p:cNvPr>
@@ -894,7 +894,7 @@
           <p:cNvPr id="6" name="灯片编号占位符 5">
             <a:extLst>
               <a:ext uri="{FF2B5EF4-FFF2-40B4-BE49-F238E27FC236}">
-                <a16:creationId xmlns:a16="http://schemas.microsoft.com/office/drawing/2014/main" id="{60543982-6967-C42F-322A-F7B7E55DF06E}"/>
+                <a16:creationId xmlns:a16="http://schemas.microsoft.com/office/drawing/2014/main" id="{7EC939E6-CE59-357A-ADA9-F35A6E67AEF0}"/>
               </a:ext>
             </a:extLst>
           </p:cNvPr>
@@ -910,7 +910,7 @@
           <a:bodyPr/>
           <a:lstStyle/>
           <a:p>
-            <a:fld id="{9F6D9E76-F1B6-4067-BC66-24B95CCC3BFD}" type="slidenum">
+            <a:fld id="{31466418-C296-431E-8804-A81B3E8A8F8E}" type="slidenum">
               <a:rPr lang="zh-CN" altLang="en-US" smtClean="0"/>
               <a:t>‹#›</a:t>
             </a:fld>
@@ -921,7 +921,7 @@
     </p:spTree>
     <p:extLst>
       <p:ext uri="{BB962C8B-B14F-4D97-AF65-F5344CB8AC3E}">
-        <p14:creationId xmlns:p14="http://schemas.microsoft.com/office/powerpoint/2010/main" val="2126519518"/>
+        <p14:creationId xmlns:p14="http://schemas.microsoft.com/office/powerpoint/2010/main" val="2685877253"/>
       </p:ext>
     </p:extLst>
   </p:cSld>
@@ -953,7 +953,7 @@
           <p:cNvPr id="2" name="标题 1">
             <a:extLst>
               <a:ext uri="{FF2B5EF4-FFF2-40B4-BE49-F238E27FC236}">
-                <a16:creationId xmlns:a16="http://schemas.microsoft.com/office/drawing/2014/main" id="{71EA1CCD-6C5B-42C7-A7E8-272BDE5B7600}"/>
+                <a16:creationId xmlns:a16="http://schemas.microsoft.com/office/drawing/2014/main" id="{A7EFBB1E-4CE5-3C88-BB76-A5A28E057BE7}"/>
               </a:ext>
             </a:extLst>
           </p:cNvPr>
@@ -990,7 +990,7 @@
           <p:cNvPr id="3" name="文本占位符 2">
             <a:extLst>
               <a:ext uri="{FF2B5EF4-FFF2-40B4-BE49-F238E27FC236}">
-                <a16:creationId xmlns:a16="http://schemas.microsoft.com/office/drawing/2014/main" id="{3B54F544-47EF-7732-CEBC-E319C6F68FC4}"/>
+                <a16:creationId xmlns:a16="http://schemas.microsoft.com/office/drawing/2014/main" id="{C440C71E-2688-7BCE-526A-C3AB7DB12844}"/>
               </a:ext>
             </a:extLst>
           </p:cNvPr>
@@ -1115,7 +1115,7 @@
           <p:cNvPr id="4" name="日期占位符 3">
             <a:extLst>
               <a:ext uri="{FF2B5EF4-FFF2-40B4-BE49-F238E27FC236}">
-                <a16:creationId xmlns:a16="http://schemas.microsoft.com/office/drawing/2014/main" id="{729B065D-A9BD-63B4-76C3-E4DFE0659A01}"/>
+                <a16:creationId xmlns:a16="http://schemas.microsoft.com/office/drawing/2014/main" id="{5F64387B-2BBA-6434-28E4-4E107BABED5C}"/>
               </a:ext>
             </a:extLst>
           </p:cNvPr>
@@ -1131,7 +1131,7 @@
           <a:bodyPr/>
           <a:lstStyle/>
           <a:p>
-            <a:fld id="{904CC923-4307-4C60-A5B3-EF4165CDC9F6}" type="datetimeFigureOut">
+            <a:fld id="{0DBA09B9-35ED-4E06-A3D1-B9D1A12463C6}" type="datetimeFigureOut">
               <a:rPr lang="zh-CN" altLang="en-US" smtClean="0"/>
               <a:t>2024/3/10</a:t>
             </a:fld>
@@ -1144,7 +1144,7 @@
           <p:cNvPr id="5" name="页脚占位符 4">
             <a:extLst>
               <a:ext uri="{FF2B5EF4-FFF2-40B4-BE49-F238E27FC236}">
-                <a16:creationId xmlns:a16="http://schemas.microsoft.com/office/drawing/2014/main" id="{351DA6A2-E666-145D-B9CA-CF98E0DA4C93}"/>
+                <a16:creationId xmlns:a16="http://schemas.microsoft.com/office/drawing/2014/main" id="{612BF09A-432F-3632-8051-1B545CB9E0EE}"/>
               </a:ext>
             </a:extLst>
           </p:cNvPr>
@@ -1169,7 +1169,7 @@
           <p:cNvPr id="6" name="灯片编号占位符 5">
             <a:extLst>
               <a:ext uri="{FF2B5EF4-FFF2-40B4-BE49-F238E27FC236}">
-                <a16:creationId xmlns:a16="http://schemas.microsoft.com/office/drawing/2014/main" id="{DE3D9380-D26A-B8D7-B50A-EDAFFD300ED4}"/>
+                <a16:creationId xmlns:a16="http://schemas.microsoft.com/office/drawing/2014/main" id="{5555B9E5-9AD7-4EC1-E638-1474886A3746}"/>
               </a:ext>
             </a:extLst>
           </p:cNvPr>
@@ -1185,7 +1185,7 @@
           <a:bodyPr/>
           <a:lstStyle/>
           <a:p>
-            <a:fld id="{9F6D9E76-F1B6-4067-BC66-24B95CCC3BFD}" type="slidenum">
+            <a:fld id="{31466418-C296-431E-8804-A81B3E8A8F8E}" type="slidenum">
               <a:rPr lang="zh-CN" altLang="en-US" smtClean="0"/>
               <a:t>‹#›</a:t>
             </a:fld>
@@ -1196,7 +1196,7 @@
     </p:spTree>
     <p:extLst>
       <p:ext uri="{BB962C8B-B14F-4D97-AF65-F5344CB8AC3E}">
-        <p14:creationId xmlns:p14="http://schemas.microsoft.com/office/powerpoint/2010/main" val="649945347"/>
+        <p14:creationId xmlns:p14="http://schemas.microsoft.com/office/powerpoint/2010/main" val="1973984326"/>
       </p:ext>
     </p:extLst>
   </p:cSld>
@@ -1228,7 +1228,7 @@
           <p:cNvPr id="2" name="标题 1">
             <a:extLst>
               <a:ext uri="{FF2B5EF4-FFF2-40B4-BE49-F238E27FC236}">
-                <a16:creationId xmlns:a16="http://schemas.microsoft.com/office/drawing/2014/main" id="{C78707C8-F239-DF37-865E-00E860CFC6D4}"/>
+                <a16:creationId xmlns:a16="http://schemas.microsoft.com/office/drawing/2014/main" id="{AC0441F0-D884-FFC4-C12D-5ED71F38F254}"/>
               </a:ext>
             </a:extLst>
           </p:cNvPr>
@@ -1256,7 +1256,7 @@
           <p:cNvPr id="3" name="内容占位符 2">
             <a:extLst>
               <a:ext uri="{FF2B5EF4-FFF2-40B4-BE49-F238E27FC236}">
-                <a16:creationId xmlns:a16="http://schemas.microsoft.com/office/drawing/2014/main" id="{47D3D364-0E8A-5FEB-0F4D-57271B687E27}"/>
+                <a16:creationId xmlns:a16="http://schemas.microsoft.com/office/drawing/2014/main" id="{6786B5DC-D347-AA70-37C5-1681C8125E18}"/>
               </a:ext>
             </a:extLst>
           </p:cNvPr>
@@ -1318,7 +1318,7 @@
           <p:cNvPr id="4" name="内容占位符 3">
             <a:extLst>
               <a:ext uri="{FF2B5EF4-FFF2-40B4-BE49-F238E27FC236}">
-                <a16:creationId xmlns:a16="http://schemas.microsoft.com/office/drawing/2014/main" id="{FD270A6E-642C-5604-86D6-174DA592CB41}"/>
+                <a16:creationId xmlns:a16="http://schemas.microsoft.com/office/drawing/2014/main" id="{6F240F87-A92A-5081-08B1-AE78262F1F31}"/>
               </a:ext>
             </a:extLst>
           </p:cNvPr>
@@ -1380,7 +1380,7 @@
           <p:cNvPr id="5" name="日期占位符 4">
             <a:extLst>
               <a:ext uri="{FF2B5EF4-FFF2-40B4-BE49-F238E27FC236}">
-                <a16:creationId xmlns:a16="http://schemas.microsoft.com/office/drawing/2014/main" id="{16B35294-8530-495B-EB57-0A1B23C6CD22}"/>
+                <a16:creationId xmlns:a16="http://schemas.microsoft.com/office/drawing/2014/main" id="{FED6615A-C8B4-B593-F579-46D65864AFF6}"/>
               </a:ext>
             </a:extLst>
           </p:cNvPr>
@@ -1396,7 +1396,7 @@
           <a:bodyPr/>
           <a:lstStyle/>
           <a:p>
-            <a:fld id="{904CC923-4307-4C60-A5B3-EF4165CDC9F6}" type="datetimeFigureOut">
+            <a:fld id="{0DBA09B9-35ED-4E06-A3D1-B9D1A12463C6}" type="datetimeFigureOut">
               <a:rPr lang="zh-CN" altLang="en-US" smtClean="0"/>
               <a:t>2024/3/10</a:t>
             </a:fld>
@@ -1409,7 +1409,7 @@
           <p:cNvPr id="6" name="页脚占位符 5">
             <a:extLst>
               <a:ext uri="{FF2B5EF4-FFF2-40B4-BE49-F238E27FC236}">
-                <a16:creationId xmlns:a16="http://schemas.microsoft.com/office/drawing/2014/main" id="{2A34813F-DA3D-ED62-EB95-559248322E66}"/>
+                <a16:creationId xmlns:a16="http://schemas.microsoft.com/office/drawing/2014/main" id="{1E24464D-632D-B383-A42E-F355385A0843}"/>
               </a:ext>
             </a:extLst>
           </p:cNvPr>
@@ -1434,7 +1434,7 @@
           <p:cNvPr id="7" name="灯片编号占位符 6">
             <a:extLst>
               <a:ext uri="{FF2B5EF4-FFF2-40B4-BE49-F238E27FC236}">
-                <a16:creationId xmlns:a16="http://schemas.microsoft.com/office/drawing/2014/main" id="{DB602E11-A541-9943-AD23-31911FD22B92}"/>
+                <a16:creationId xmlns:a16="http://schemas.microsoft.com/office/drawing/2014/main" id="{FDF8D6BD-76DA-741B-7C78-81A348F09994}"/>
               </a:ext>
             </a:extLst>
           </p:cNvPr>
@@ -1450,7 +1450,7 @@
           <a:bodyPr/>
           <a:lstStyle/>
           <a:p>
-            <a:fld id="{9F6D9E76-F1B6-4067-BC66-24B95CCC3BFD}" type="slidenum">
+            <a:fld id="{31466418-C296-431E-8804-A81B3E8A8F8E}" type="slidenum">
               <a:rPr lang="zh-CN" altLang="en-US" smtClean="0"/>
               <a:t>‹#›</a:t>
             </a:fld>
@@ -1461,7 +1461,7 @@
     </p:spTree>
     <p:extLst>
       <p:ext uri="{BB962C8B-B14F-4D97-AF65-F5344CB8AC3E}">
-        <p14:creationId xmlns:p14="http://schemas.microsoft.com/office/powerpoint/2010/main" val="936787974"/>
+        <p14:creationId xmlns:p14="http://schemas.microsoft.com/office/powerpoint/2010/main" val="729302992"/>
       </p:ext>
     </p:extLst>
   </p:cSld>
@@ -1493,7 +1493,7 @@
           <p:cNvPr id="2" name="标题 1">
             <a:extLst>
               <a:ext uri="{FF2B5EF4-FFF2-40B4-BE49-F238E27FC236}">
-                <a16:creationId xmlns:a16="http://schemas.microsoft.com/office/drawing/2014/main" id="{3C378A6E-0020-70A3-5FB3-D854C7A4D953}"/>
+                <a16:creationId xmlns:a16="http://schemas.microsoft.com/office/drawing/2014/main" id="{374AAD3A-3A9D-CD93-62DF-EAABF8D5F036}"/>
               </a:ext>
             </a:extLst>
           </p:cNvPr>
@@ -1526,7 +1526,7 @@
           <p:cNvPr id="3" name="文本占位符 2">
             <a:extLst>
               <a:ext uri="{FF2B5EF4-FFF2-40B4-BE49-F238E27FC236}">
-                <a16:creationId xmlns:a16="http://schemas.microsoft.com/office/drawing/2014/main" id="{DCF58713-9F35-2BBE-0AC7-022BCC496FEC}"/>
+                <a16:creationId xmlns:a16="http://schemas.microsoft.com/office/drawing/2014/main" id="{B771BF86-BDDB-B06B-C5C2-7D34D861813C}"/>
               </a:ext>
             </a:extLst>
           </p:cNvPr>
@@ -1597,7 +1597,7 @@
           <p:cNvPr id="4" name="内容占位符 3">
             <a:extLst>
               <a:ext uri="{FF2B5EF4-FFF2-40B4-BE49-F238E27FC236}">
-                <a16:creationId xmlns:a16="http://schemas.microsoft.com/office/drawing/2014/main" id="{62C1150F-20A6-3647-07B7-7BC8A8B3FED1}"/>
+                <a16:creationId xmlns:a16="http://schemas.microsoft.com/office/drawing/2014/main" id="{258C2841-7304-9CB4-6F66-5C429121D7A1}"/>
               </a:ext>
             </a:extLst>
           </p:cNvPr>
@@ -1659,7 +1659,7 @@
           <p:cNvPr id="5" name="文本占位符 4">
             <a:extLst>
               <a:ext uri="{FF2B5EF4-FFF2-40B4-BE49-F238E27FC236}">
-                <a16:creationId xmlns:a16="http://schemas.microsoft.com/office/drawing/2014/main" id="{DEA0262A-7E51-3B99-5808-F0728C0CA9A1}"/>
+                <a16:creationId xmlns:a16="http://schemas.microsoft.com/office/drawing/2014/main" id="{6DADE0E2-8CC7-2850-EFAB-63A46F82DE3C}"/>
               </a:ext>
             </a:extLst>
           </p:cNvPr>
@@ -1730,7 +1730,7 @@
           <p:cNvPr id="6" name="内容占位符 5">
             <a:extLst>
               <a:ext uri="{FF2B5EF4-FFF2-40B4-BE49-F238E27FC236}">
-                <a16:creationId xmlns:a16="http://schemas.microsoft.com/office/drawing/2014/main" id="{41C3CAEC-1024-8971-8DFF-36B13606A1F6}"/>
+                <a16:creationId xmlns:a16="http://schemas.microsoft.com/office/drawing/2014/main" id="{629B8B91-38DF-409C-3E5F-BB1E31AFC24C}"/>
               </a:ext>
             </a:extLst>
           </p:cNvPr>
@@ -1792,7 +1792,7 @@
           <p:cNvPr id="7" name="日期占位符 6">
             <a:extLst>
               <a:ext uri="{FF2B5EF4-FFF2-40B4-BE49-F238E27FC236}">
-                <a16:creationId xmlns:a16="http://schemas.microsoft.com/office/drawing/2014/main" id="{859C7B5B-97FA-53D9-B485-DB817CC7AD98}"/>
+                <a16:creationId xmlns:a16="http://schemas.microsoft.com/office/drawing/2014/main" id="{602CC6A6-5D93-8FD4-E6F9-ED680276D4E7}"/>
               </a:ext>
             </a:extLst>
           </p:cNvPr>
@@ -1808,7 +1808,7 @@
           <a:bodyPr/>
           <a:lstStyle/>
           <a:p>
-            <a:fld id="{904CC923-4307-4C60-A5B3-EF4165CDC9F6}" type="datetimeFigureOut">
+            <a:fld id="{0DBA09B9-35ED-4E06-A3D1-B9D1A12463C6}" type="datetimeFigureOut">
               <a:rPr lang="zh-CN" altLang="en-US" smtClean="0"/>
               <a:t>2024/3/10</a:t>
             </a:fld>
@@ -1821,7 +1821,7 @@
           <p:cNvPr id="8" name="页脚占位符 7">
             <a:extLst>
               <a:ext uri="{FF2B5EF4-FFF2-40B4-BE49-F238E27FC236}">
-                <a16:creationId xmlns:a16="http://schemas.microsoft.com/office/drawing/2014/main" id="{ACB50705-C1CB-1E4E-D09B-67452B05575E}"/>
+                <a16:creationId xmlns:a16="http://schemas.microsoft.com/office/drawing/2014/main" id="{E164489C-1188-E830-AFE0-ACCDB031D684}"/>
               </a:ext>
             </a:extLst>
           </p:cNvPr>
@@ -1846,7 +1846,7 @@
           <p:cNvPr id="9" name="灯片编号占位符 8">
             <a:extLst>
               <a:ext uri="{FF2B5EF4-FFF2-40B4-BE49-F238E27FC236}">
-                <a16:creationId xmlns:a16="http://schemas.microsoft.com/office/drawing/2014/main" id="{2897EBBB-FA91-F746-889E-C689C8D92437}"/>
+                <a16:creationId xmlns:a16="http://schemas.microsoft.com/office/drawing/2014/main" id="{923DC1E0-DC46-0C83-F24F-B19B5D177B26}"/>
               </a:ext>
             </a:extLst>
           </p:cNvPr>
@@ -1862,7 +1862,7 @@
           <a:bodyPr/>
           <a:lstStyle/>
           <a:p>
-            <a:fld id="{9F6D9E76-F1B6-4067-BC66-24B95CCC3BFD}" type="slidenum">
+            <a:fld id="{31466418-C296-431E-8804-A81B3E8A8F8E}" type="slidenum">
               <a:rPr lang="zh-CN" altLang="en-US" smtClean="0"/>
               <a:t>‹#›</a:t>
             </a:fld>
@@ -1873,7 +1873,7 @@
     </p:spTree>
     <p:extLst>
       <p:ext uri="{BB962C8B-B14F-4D97-AF65-F5344CB8AC3E}">
-        <p14:creationId xmlns:p14="http://schemas.microsoft.com/office/powerpoint/2010/main" val="4091746584"/>
+        <p14:creationId xmlns:p14="http://schemas.microsoft.com/office/powerpoint/2010/main" val="1560858607"/>
       </p:ext>
     </p:extLst>
   </p:cSld>
@@ -1905,7 +1905,7 @@
           <p:cNvPr id="2" name="标题 1">
             <a:extLst>
               <a:ext uri="{FF2B5EF4-FFF2-40B4-BE49-F238E27FC236}">
-                <a16:creationId xmlns:a16="http://schemas.microsoft.com/office/drawing/2014/main" id="{0829B549-FA1A-E046-D640-25F6BCD69008}"/>
+                <a16:creationId xmlns:a16="http://schemas.microsoft.com/office/drawing/2014/main" id="{5108940B-8FBF-2F3E-E8B9-D57FA41CAEED}"/>
               </a:ext>
             </a:extLst>
           </p:cNvPr>
@@ -1933,7 +1933,7 @@
           <p:cNvPr id="3" name="日期占位符 2">
             <a:extLst>
               <a:ext uri="{FF2B5EF4-FFF2-40B4-BE49-F238E27FC236}">
-                <a16:creationId xmlns:a16="http://schemas.microsoft.com/office/drawing/2014/main" id="{04839C40-6BCC-995C-898C-9C2F9008370D}"/>
+                <a16:creationId xmlns:a16="http://schemas.microsoft.com/office/drawing/2014/main" id="{EBB2469F-A983-8E03-216F-17DFD4A45DAE}"/>
               </a:ext>
             </a:extLst>
           </p:cNvPr>
@@ -1949,7 +1949,7 @@
           <a:bodyPr/>
           <a:lstStyle/>
           <a:p>
-            <a:fld id="{904CC923-4307-4C60-A5B3-EF4165CDC9F6}" type="datetimeFigureOut">
+            <a:fld id="{0DBA09B9-35ED-4E06-A3D1-B9D1A12463C6}" type="datetimeFigureOut">
               <a:rPr lang="zh-CN" altLang="en-US" smtClean="0"/>
               <a:t>2024/3/10</a:t>
             </a:fld>
@@ -1962,7 +1962,7 @@
           <p:cNvPr id="4" name="页脚占位符 3">
             <a:extLst>
               <a:ext uri="{FF2B5EF4-FFF2-40B4-BE49-F238E27FC236}">
-                <a16:creationId xmlns:a16="http://schemas.microsoft.com/office/drawing/2014/main" id="{F7A9CAAF-E14C-A2FE-D9FC-F3A705C4BFB4}"/>
+                <a16:creationId xmlns:a16="http://schemas.microsoft.com/office/drawing/2014/main" id="{C4C458E2-5C02-157B-FAB2-35C78E667459}"/>
               </a:ext>
             </a:extLst>
           </p:cNvPr>
@@ -1987,7 +1987,7 @@
           <p:cNvPr id="5" name="灯片编号占位符 4">
             <a:extLst>
               <a:ext uri="{FF2B5EF4-FFF2-40B4-BE49-F238E27FC236}">
-                <a16:creationId xmlns:a16="http://schemas.microsoft.com/office/drawing/2014/main" id="{0EE7FD59-1278-3AA1-F895-AA1BCC5772FF}"/>
+                <a16:creationId xmlns:a16="http://schemas.microsoft.com/office/drawing/2014/main" id="{B72D82E3-04EA-50CF-013E-106861123313}"/>
               </a:ext>
             </a:extLst>
           </p:cNvPr>
@@ -2003,7 +2003,7 @@
           <a:bodyPr/>
           <a:lstStyle/>
           <a:p>
-            <a:fld id="{9F6D9E76-F1B6-4067-BC66-24B95CCC3BFD}" type="slidenum">
+            <a:fld id="{31466418-C296-431E-8804-A81B3E8A8F8E}" type="slidenum">
               <a:rPr lang="zh-CN" altLang="en-US" smtClean="0"/>
               <a:t>‹#›</a:t>
             </a:fld>
@@ -2014,7 +2014,7 @@
     </p:spTree>
     <p:extLst>
       <p:ext uri="{BB962C8B-B14F-4D97-AF65-F5344CB8AC3E}">
-        <p14:creationId xmlns:p14="http://schemas.microsoft.com/office/powerpoint/2010/main" val="276643406"/>
+        <p14:creationId xmlns:p14="http://schemas.microsoft.com/office/powerpoint/2010/main" val="2465105543"/>
       </p:ext>
     </p:extLst>
   </p:cSld>
@@ -2046,7 +2046,7 @@
           <p:cNvPr id="2" name="日期占位符 1">
             <a:extLst>
               <a:ext uri="{FF2B5EF4-FFF2-40B4-BE49-F238E27FC236}">
-                <a16:creationId xmlns:a16="http://schemas.microsoft.com/office/drawing/2014/main" id="{E413B00E-EB67-F820-DE70-C8EFDD8ADB62}"/>
+                <a16:creationId xmlns:a16="http://schemas.microsoft.com/office/drawing/2014/main" id="{9A4373C7-1E82-97DD-074A-DF8FF930E91C}"/>
               </a:ext>
             </a:extLst>
           </p:cNvPr>
@@ -2062,7 +2062,7 @@
           <a:bodyPr/>
           <a:lstStyle/>
           <a:p>
-            <a:fld id="{904CC923-4307-4C60-A5B3-EF4165CDC9F6}" type="datetimeFigureOut">
+            <a:fld id="{0DBA09B9-35ED-4E06-A3D1-B9D1A12463C6}" type="datetimeFigureOut">
               <a:rPr lang="zh-CN" altLang="en-US" smtClean="0"/>
               <a:t>2024/3/10</a:t>
             </a:fld>
@@ -2075,7 +2075,7 @@
           <p:cNvPr id="3" name="页脚占位符 2">
             <a:extLst>
               <a:ext uri="{FF2B5EF4-FFF2-40B4-BE49-F238E27FC236}">
-                <a16:creationId xmlns:a16="http://schemas.microsoft.com/office/drawing/2014/main" id="{BC3043B6-4257-A22B-58D1-850D2B700739}"/>
+                <a16:creationId xmlns:a16="http://schemas.microsoft.com/office/drawing/2014/main" id="{A0874090-BD78-51BD-0E7A-A009B753534A}"/>
               </a:ext>
             </a:extLst>
           </p:cNvPr>
@@ -2100,7 +2100,7 @@
           <p:cNvPr id="4" name="灯片编号占位符 3">
             <a:extLst>
               <a:ext uri="{FF2B5EF4-FFF2-40B4-BE49-F238E27FC236}">
-                <a16:creationId xmlns:a16="http://schemas.microsoft.com/office/drawing/2014/main" id="{D4F35CE3-0584-E4B0-6B8B-C4145C8EA7F5}"/>
+                <a16:creationId xmlns:a16="http://schemas.microsoft.com/office/drawing/2014/main" id="{D8B32BFB-23E8-B860-325A-835EF87F2CF3}"/>
               </a:ext>
             </a:extLst>
           </p:cNvPr>
@@ -2116,7 +2116,7 @@
           <a:bodyPr/>
           <a:lstStyle/>
           <a:p>
-            <a:fld id="{9F6D9E76-F1B6-4067-BC66-24B95CCC3BFD}" type="slidenum">
+            <a:fld id="{31466418-C296-431E-8804-A81B3E8A8F8E}" type="slidenum">
               <a:rPr lang="zh-CN" altLang="en-US" smtClean="0"/>
               <a:t>‹#›</a:t>
             </a:fld>
@@ -2127,7 +2127,7 @@
     </p:spTree>
     <p:extLst>
       <p:ext uri="{BB962C8B-B14F-4D97-AF65-F5344CB8AC3E}">
-        <p14:creationId xmlns:p14="http://schemas.microsoft.com/office/powerpoint/2010/main" val="3360827129"/>
+        <p14:creationId xmlns:p14="http://schemas.microsoft.com/office/powerpoint/2010/main" val="592056081"/>
       </p:ext>
     </p:extLst>
   </p:cSld>
@@ -2159,7 +2159,7 @@
           <p:cNvPr id="2" name="标题 1">
             <a:extLst>
               <a:ext uri="{FF2B5EF4-FFF2-40B4-BE49-F238E27FC236}">
-                <a16:creationId xmlns:a16="http://schemas.microsoft.com/office/drawing/2014/main" id="{3430E04E-32BC-EC50-F6BC-41C55443462E}"/>
+                <a16:creationId xmlns:a16="http://schemas.microsoft.com/office/drawing/2014/main" id="{47CFAF02-E7D2-2FA9-7CB8-FF5E06FCFF13}"/>
               </a:ext>
             </a:extLst>
           </p:cNvPr>
@@ -2196,7 +2196,7 @@
           <p:cNvPr id="3" name="内容占位符 2">
             <a:extLst>
               <a:ext uri="{FF2B5EF4-FFF2-40B4-BE49-F238E27FC236}">
-                <a16:creationId xmlns:a16="http://schemas.microsoft.com/office/drawing/2014/main" id="{A36C5907-12B6-05B3-28E7-9B0E432962AC}"/>
+                <a16:creationId xmlns:a16="http://schemas.microsoft.com/office/drawing/2014/main" id="{6F34D310-5D4F-3F81-A8EC-0CBFE0C566AD}"/>
               </a:ext>
             </a:extLst>
           </p:cNvPr>
@@ -2286,7 +2286,7 @@
           <p:cNvPr id="4" name="文本占位符 3">
             <a:extLst>
               <a:ext uri="{FF2B5EF4-FFF2-40B4-BE49-F238E27FC236}">
-                <a16:creationId xmlns:a16="http://schemas.microsoft.com/office/drawing/2014/main" id="{0BBB7A87-430B-1B27-CCD8-7E1120EF634B}"/>
+                <a16:creationId xmlns:a16="http://schemas.microsoft.com/office/drawing/2014/main" id="{FE0F5223-A4B3-840F-FE94-05E5B746FC37}"/>
               </a:ext>
             </a:extLst>
           </p:cNvPr>
@@ -2357,7 +2357,7 @@
           <p:cNvPr id="5" name="日期占位符 4">
             <a:extLst>
               <a:ext uri="{FF2B5EF4-FFF2-40B4-BE49-F238E27FC236}">
-                <a16:creationId xmlns:a16="http://schemas.microsoft.com/office/drawing/2014/main" id="{77DF1890-2F7D-CC01-6580-F7F7A675A2F9}"/>
+                <a16:creationId xmlns:a16="http://schemas.microsoft.com/office/drawing/2014/main" id="{C6D816B8-30E3-E733-A45E-07B07A466772}"/>
               </a:ext>
             </a:extLst>
           </p:cNvPr>
@@ -2373,7 +2373,7 @@
           <a:bodyPr/>
           <a:lstStyle/>
           <a:p>
-            <a:fld id="{904CC923-4307-4C60-A5B3-EF4165CDC9F6}" type="datetimeFigureOut">
+            <a:fld id="{0DBA09B9-35ED-4E06-A3D1-B9D1A12463C6}" type="datetimeFigureOut">
               <a:rPr lang="zh-CN" altLang="en-US" smtClean="0"/>
               <a:t>2024/3/10</a:t>
             </a:fld>
@@ -2386,7 +2386,7 @@
           <p:cNvPr id="6" name="页脚占位符 5">
             <a:extLst>
               <a:ext uri="{FF2B5EF4-FFF2-40B4-BE49-F238E27FC236}">
-                <a16:creationId xmlns:a16="http://schemas.microsoft.com/office/drawing/2014/main" id="{11F0145B-5A35-CBFB-A3AA-39A52CEC5703}"/>
+                <a16:creationId xmlns:a16="http://schemas.microsoft.com/office/drawing/2014/main" id="{7C180EB0-D8D3-7465-F59A-10D1F18B6102}"/>
               </a:ext>
             </a:extLst>
           </p:cNvPr>
@@ -2411,7 +2411,7 @@
           <p:cNvPr id="7" name="灯片编号占位符 6">
             <a:extLst>
               <a:ext uri="{FF2B5EF4-FFF2-40B4-BE49-F238E27FC236}">
-                <a16:creationId xmlns:a16="http://schemas.microsoft.com/office/drawing/2014/main" id="{F0D61E79-3CA2-57EC-6832-8FC79B9AFD45}"/>
+                <a16:creationId xmlns:a16="http://schemas.microsoft.com/office/drawing/2014/main" id="{6DD9C2ED-11A9-36E7-BAA3-C3DBB0F97513}"/>
               </a:ext>
             </a:extLst>
           </p:cNvPr>
@@ -2427,7 +2427,7 @@
           <a:bodyPr/>
           <a:lstStyle/>
           <a:p>
-            <a:fld id="{9F6D9E76-F1B6-4067-BC66-24B95CCC3BFD}" type="slidenum">
+            <a:fld id="{31466418-C296-431E-8804-A81B3E8A8F8E}" type="slidenum">
               <a:rPr lang="zh-CN" altLang="en-US" smtClean="0"/>
               <a:t>‹#›</a:t>
             </a:fld>
@@ -2438,7 +2438,7 @@
     </p:spTree>
     <p:extLst>
       <p:ext uri="{BB962C8B-B14F-4D97-AF65-F5344CB8AC3E}">
-        <p14:creationId xmlns:p14="http://schemas.microsoft.com/office/powerpoint/2010/main" val="3780843903"/>
+        <p14:creationId xmlns:p14="http://schemas.microsoft.com/office/powerpoint/2010/main" val="587826169"/>
       </p:ext>
     </p:extLst>
   </p:cSld>
@@ -2470,7 +2470,7 @@
           <p:cNvPr id="2" name="标题 1">
             <a:extLst>
               <a:ext uri="{FF2B5EF4-FFF2-40B4-BE49-F238E27FC236}">
-                <a16:creationId xmlns:a16="http://schemas.microsoft.com/office/drawing/2014/main" id="{1D1B7813-3E0A-EAAD-438A-83491BB911B4}"/>
+                <a16:creationId xmlns:a16="http://schemas.microsoft.com/office/drawing/2014/main" id="{55853B76-5444-FD7F-1D27-B3A2B5B30C00}"/>
               </a:ext>
             </a:extLst>
           </p:cNvPr>
@@ -2507,7 +2507,7 @@
           <p:cNvPr id="3" name="图片占位符 2">
             <a:extLst>
               <a:ext uri="{FF2B5EF4-FFF2-40B4-BE49-F238E27FC236}">
-                <a16:creationId xmlns:a16="http://schemas.microsoft.com/office/drawing/2014/main" id="{AF90C156-44D4-056B-8990-04943E1240D2}"/>
+                <a16:creationId xmlns:a16="http://schemas.microsoft.com/office/drawing/2014/main" id="{A5275C23-CEAE-3DDF-5E72-13743F02C9E1}"/>
               </a:ext>
             </a:extLst>
           </p:cNvPr>
@@ -2574,7 +2574,7 @@
           <p:cNvPr id="4" name="文本占位符 3">
             <a:extLst>
               <a:ext uri="{FF2B5EF4-FFF2-40B4-BE49-F238E27FC236}">
-                <a16:creationId xmlns:a16="http://schemas.microsoft.com/office/drawing/2014/main" id="{AD062405-F886-46A3-3C51-B8D53D5350FA}"/>
+                <a16:creationId xmlns:a16="http://schemas.microsoft.com/office/drawing/2014/main" id="{BF528681-CFD5-D232-0E33-D3E970F32879}"/>
               </a:ext>
             </a:extLst>
           </p:cNvPr>
@@ -2645,7 +2645,7 @@
           <p:cNvPr id="5" name="日期占位符 4">
             <a:extLst>
               <a:ext uri="{FF2B5EF4-FFF2-40B4-BE49-F238E27FC236}">
-                <a16:creationId xmlns:a16="http://schemas.microsoft.com/office/drawing/2014/main" id="{4C034606-D766-38D6-7154-6D9B4CED4825}"/>
+                <a16:creationId xmlns:a16="http://schemas.microsoft.com/office/drawing/2014/main" id="{B0C018B5-E1EC-2017-C12A-C864553E7953}"/>
               </a:ext>
             </a:extLst>
           </p:cNvPr>
@@ -2661,7 +2661,7 @@
           <a:bodyPr/>
           <a:lstStyle/>
           <a:p>
-            <a:fld id="{904CC923-4307-4C60-A5B3-EF4165CDC9F6}" type="datetimeFigureOut">
+            <a:fld id="{0DBA09B9-35ED-4E06-A3D1-B9D1A12463C6}" type="datetimeFigureOut">
               <a:rPr lang="zh-CN" altLang="en-US" smtClean="0"/>
               <a:t>2024/3/10</a:t>
             </a:fld>
@@ -2674,7 +2674,7 @@
           <p:cNvPr id="6" name="页脚占位符 5">
             <a:extLst>
               <a:ext uri="{FF2B5EF4-FFF2-40B4-BE49-F238E27FC236}">
-                <a16:creationId xmlns:a16="http://schemas.microsoft.com/office/drawing/2014/main" id="{74AEFD38-B57F-DB75-BDF5-375D6A1B95C3}"/>
+                <a16:creationId xmlns:a16="http://schemas.microsoft.com/office/drawing/2014/main" id="{1F70707F-0244-2D6F-DAD1-2D4127F892CB}"/>
               </a:ext>
             </a:extLst>
           </p:cNvPr>
@@ -2699,7 +2699,7 @@
           <p:cNvPr id="7" name="灯片编号占位符 6">
             <a:extLst>
               <a:ext uri="{FF2B5EF4-FFF2-40B4-BE49-F238E27FC236}">
-                <a16:creationId xmlns:a16="http://schemas.microsoft.com/office/drawing/2014/main" id="{DF01C059-AA74-2332-C48C-2612A1DC35BE}"/>
+                <a16:creationId xmlns:a16="http://schemas.microsoft.com/office/drawing/2014/main" id="{A5509193-9D71-A38E-737C-7321ADC644F1}"/>
               </a:ext>
             </a:extLst>
           </p:cNvPr>
@@ -2715,7 +2715,7 @@
           <a:bodyPr/>
           <a:lstStyle/>
           <a:p>
-            <a:fld id="{9F6D9E76-F1B6-4067-BC66-24B95CCC3BFD}" type="slidenum">
+            <a:fld id="{31466418-C296-431E-8804-A81B3E8A8F8E}" type="slidenum">
               <a:rPr lang="zh-CN" altLang="en-US" smtClean="0"/>
               <a:t>‹#›</a:t>
             </a:fld>
@@ -2726,7 +2726,7 @@
     </p:spTree>
     <p:extLst>
       <p:ext uri="{BB962C8B-B14F-4D97-AF65-F5344CB8AC3E}">
-        <p14:creationId xmlns:p14="http://schemas.microsoft.com/office/powerpoint/2010/main" val="3440817351"/>
+        <p14:creationId xmlns:p14="http://schemas.microsoft.com/office/powerpoint/2010/main" val="2914860364"/>
       </p:ext>
     </p:extLst>
   </p:cSld>
@@ -2763,7 +2763,7 @@
           <p:cNvPr id="2" name="标题占位符 1">
             <a:extLst>
               <a:ext uri="{FF2B5EF4-FFF2-40B4-BE49-F238E27FC236}">
-                <a16:creationId xmlns:a16="http://schemas.microsoft.com/office/drawing/2014/main" id="{E7EDCF26-8727-62EB-C0FE-7223FDDB5DAB}"/>
+                <a16:creationId xmlns:a16="http://schemas.microsoft.com/office/drawing/2014/main" id="{CEF89D8B-47A1-1E55-C650-5071D2F40C5E}"/>
               </a:ext>
             </a:extLst>
           </p:cNvPr>
@@ -2801,7 +2801,7 @@
           <p:cNvPr id="3" name="文本占位符 2">
             <a:extLst>
               <a:ext uri="{FF2B5EF4-FFF2-40B4-BE49-F238E27FC236}">
-                <a16:creationId xmlns:a16="http://schemas.microsoft.com/office/drawing/2014/main" id="{F15ACF85-D806-39B1-5142-D5175DFA3058}"/>
+                <a16:creationId xmlns:a16="http://schemas.microsoft.com/office/drawing/2014/main" id="{F0234766-E49A-5765-8D2C-EB4CF132C04B}"/>
               </a:ext>
             </a:extLst>
           </p:cNvPr>
@@ -2868,7 +2868,7 @@
           <p:cNvPr id="4" name="日期占位符 3">
             <a:extLst>
               <a:ext uri="{FF2B5EF4-FFF2-40B4-BE49-F238E27FC236}">
-                <a16:creationId xmlns:a16="http://schemas.microsoft.com/office/drawing/2014/main" id="{680E4260-A345-915A-2EAF-F69171EE979D}"/>
+                <a16:creationId xmlns:a16="http://schemas.microsoft.com/office/drawing/2014/main" id="{5720DEAF-04F9-EEAD-EF79-CFB59E5EADDC}"/>
               </a:ext>
             </a:extLst>
           </p:cNvPr>
@@ -2902,7 +2902,7 @@
             </a:lvl1pPr>
           </a:lstStyle>
           <a:p>
-            <a:fld id="{904CC923-4307-4C60-A5B3-EF4165CDC9F6}" type="datetimeFigureOut">
+            <a:fld id="{0DBA09B9-35ED-4E06-A3D1-B9D1A12463C6}" type="datetimeFigureOut">
               <a:rPr lang="zh-CN" altLang="en-US" smtClean="0"/>
               <a:t>2024/3/10</a:t>
             </a:fld>
@@ -2915,7 +2915,7 @@
           <p:cNvPr id="5" name="页脚占位符 4">
             <a:extLst>
               <a:ext uri="{FF2B5EF4-FFF2-40B4-BE49-F238E27FC236}">
-                <a16:creationId xmlns:a16="http://schemas.microsoft.com/office/drawing/2014/main" id="{DD77AF7D-E1C0-A813-B955-8AD9B7B3E93E}"/>
+                <a16:creationId xmlns:a16="http://schemas.microsoft.com/office/drawing/2014/main" id="{57C4D1B5-3967-8340-9B49-E68FCA5B7297}"/>
               </a:ext>
             </a:extLst>
           </p:cNvPr>
@@ -2958,7 +2958,7 @@
           <p:cNvPr id="6" name="灯片编号占位符 5">
             <a:extLst>
               <a:ext uri="{FF2B5EF4-FFF2-40B4-BE49-F238E27FC236}">
-                <a16:creationId xmlns:a16="http://schemas.microsoft.com/office/drawing/2014/main" id="{859ED57F-D90E-8A97-9937-68CC6F931E6B}"/>
+                <a16:creationId xmlns:a16="http://schemas.microsoft.com/office/drawing/2014/main" id="{856FFF72-886F-2421-DBA8-802DF3EAF71B}"/>
               </a:ext>
             </a:extLst>
           </p:cNvPr>
@@ -2992,7 +2992,7 @@
             </a:lvl1pPr>
           </a:lstStyle>
           <a:p>
-            <a:fld id="{9F6D9E76-F1B6-4067-BC66-24B95CCC3BFD}" type="slidenum">
+            <a:fld id="{31466418-C296-431E-8804-A81B3E8A8F8E}" type="slidenum">
               <a:rPr lang="zh-CN" altLang="en-US" smtClean="0"/>
               <a:t>‹#›</a:t>
             </a:fld>
@@ -3003,7 +3003,7 @@
     </p:spTree>
     <p:extLst>
       <p:ext uri="{BB962C8B-B14F-4D97-AF65-F5344CB8AC3E}">
-        <p14:creationId xmlns:p14="http://schemas.microsoft.com/office/powerpoint/2010/main" val="3477598803"/>
+        <p14:creationId xmlns:p14="http://schemas.microsoft.com/office/powerpoint/2010/main" val="2841368877"/>
       </p:ext>
     </p:extLst>
   </p:cSld>
